--- a/src/main/java/ee/bcs/java/lectures/Loeng3 - alamfunktsioonid massiivid tsüklid .pptx
+++ b/src/main/java/ee/bcs/java/lectures/Loeng3 - alamfunktsioonid massiivid tsüklid .pptx
@@ -331,7 +331,7 @@
             <a:fld id="{9B034333-4FC0-4832-B48E-1BB4D6BFA92F}" type="datetimeFigureOut">
               <a:rPr lang="et-EE" smtClean="0"/>
               <a:pPr/>
-              <a:t>21.10.2020</a:t>
+              <a:t>30.01.2021</a:t>
             </a:fld>
             <a:endParaRPr lang="et-EE"/>
           </a:p>
@@ -550,7 +550,7 @@
             <a:fld id="{9B034333-4FC0-4832-B48E-1BB4D6BFA92F}" type="datetimeFigureOut">
               <a:rPr lang="et-EE" smtClean="0"/>
               <a:pPr/>
-              <a:t>21.10.2020</a:t>
+              <a:t>30.01.2021</a:t>
             </a:fld>
             <a:endParaRPr lang="et-EE"/>
           </a:p>
@@ -725,7 +725,7 @@
             <a:fld id="{9B034333-4FC0-4832-B48E-1BB4D6BFA92F}" type="datetimeFigureOut">
               <a:rPr lang="et-EE" smtClean="0"/>
               <a:pPr/>
-              <a:t>21.10.2020</a:t>
+              <a:t>30.01.2021</a:t>
             </a:fld>
             <a:endParaRPr lang="et-EE"/>
           </a:p>
@@ -968,7 +968,7 @@
             <a:fld id="{9B034333-4FC0-4832-B48E-1BB4D6BFA92F}" type="datetimeFigureOut">
               <a:rPr lang="et-EE" smtClean="0"/>
               <a:pPr/>
-              <a:t>21.10.2020</a:t>
+              <a:t>30.01.2021</a:t>
             </a:fld>
             <a:endParaRPr lang="et-EE"/>
           </a:p>
@@ -1265,7 +1265,7 @@
             <a:fld id="{9B034333-4FC0-4832-B48E-1BB4D6BFA92F}" type="datetimeFigureOut">
               <a:rPr lang="et-EE" smtClean="0"/>
               <a:pPr/>
-              <a:t>21.10.2020</a:t>
+              <a:t>30.01.2021</a:t>
             </a:fld>
             <a:endParaRPr lang="et-EE"/>
           </a:p>
@@ -1617,7 +1617,7 @@
             <a:fld id="{9B034333-4FC0-4832-B48E-1BB4D6BFA92F}" type="datetimeFigureOut">
               <a:rPr lang="et-EE" smtClean="0"/>
               <a:pPr/>
-              <a:t>21.10.2020</a:t>
+              <a:t>30.01.2021</a:t>
             </a:fld>
             <a:endParaRPr lang="et-EE"/>
           </a:p>
@@ -2117,7 +2117,7 @@
             <a:fld id="{9B034333-4FC0-4832-B48E-1BB4D6BFA92F}" type="datetimeFigureOut">
               <a:rPr lang="et-EE" smtClean="0"/>
               <a:pPr/>
-              <a:t>21.10.2020</a:t>
+              <a:t>30.01.2021</a:t>
             </a:fld>
             <a:endParaRPr lang="et-EE"/>
           </a:p>
@@ -2231,7 +2231,7 @@
             <a:fld id="{9B034333-4FC0-4832-B48E-1BB4D6BFA92F}" type="datetimeFigureOut">
               <a:rPr lang="et-EE" smtClean="0"/>
               <a:pPr/>
-              <a:t>21.10.2020</a:t>
+              <a:t>30.01.2021</a:t>
             </a:fld>
             <a:endParaRPr lang="et-EE"/>
           </a:p>
@@ -2323,7 +2323,7 @@
             <a:fld id="{9B034333-4FC0-4832-B48E-1BB4D6BFA92F}" type="datetimeFigureOut">
               <a:rPr lang="et-EE" smtClean="0"/>
               <a:pPr/>
-              <a:t>21.10.2020</a:t>
+              <a:t>30.01.2021</a:t>
             </a:fld>
             <a:endParaRPr lang="et-EE"/>
           </a:p>
@@ -2595,7 +2595,7 @@
             <a:fld id="{9B034333-4FC0-4832-B48E-1BB4D6BFA92F}" type="datetimeFigureOut">
               <a:rPr lang="et-EE" smtClean="0"/>
               <a:pPr/>
-              <a:t>21.10.2020</a:t>
+              <a:t>30.01.2021</a:t>
             </a:fld>
             <a:endParaRPr lang="et-EE"/>
           </a:p>
@@ -2847,7 +2847,7 @@
             <a:fld id="{9B034333-4FC0-4832-B48E-1BB4D6BFA92F}" type="datetimeFigureOut">
               <a:rPr lang="et-EE" smtClean="0"/>
               <a:pPr/>
-              <a:t>21.10.2020</a:t>
+              <a:t>30.01.2021</a:t>
             </a:fld>
             <a:endParaRPr lang="et-EE"/>
           </a:p>
@@ -3056,7 +3056,7 @@
             <a:fld id="{9B034333-4FC0-4832-B48E-1BB4D6BFA92F}" type="datetimeFigureOut">
               <a:rPr lang="et-EE" smtClean="0"/>
               <a:pPr/>
-              <a:t>21.10.2020</a:t>
+              <a:t>30.01.2021</a:t>
             </a:fld>
             <a:endParaRPr lang="et-EE"/>
           </a:p>
@@ -5719,7 +5719,19 @@
           <a:p>
             <a:r>
               <a:rPr lang="et-EE" dirty="0"/>
-              <a:t>Javas on palu erinevaid valmis klasse mida saab kasutada</a:t>
+              <a:t>Javas on </a:t>
+            </a:r>
+            <a:r>
+              <a:rPr lang="et-EE" dirty="0" err="1"/>
+              <a:t>pal</a:t>
+            </a:r>
+            <a:r>
+              <a:rPr lang="en-US" dirty="0"/>
+              <a:t>j</a:t>
+            </a:r>
+            <a:r>
+              <a:rPr lang="et-EE" dirty="0"/>
+              <a:t>u erinevaid valmis klasse mida saab kasutada</a:t>
             </a:r>
           </a:p>
           <a:p>
@@ -6524,8 +6536,16 @@
           <a:lstStyle/>
           <a:p>
             <a:r>
+              <a:rPr lang="et-EE" dirty="0"/>
+              <a:t>Ts</a:t>
+            </a:r>
+            <a:r>
+              <a:rPr lang="en-US" dirty="0"/>
+              <a:t>ü</a:t>
+            </a:r>
+            <a:r>
               <a:rPr lang="et-EE" dirty="0" err="1"/>
-              <a:t>Tüsklid</a:t>
+              <a:t>klid</a:t>
             </a:r>
             <a:endParaRPr lang="et-EE" dirty="0"/>
           </a:p>
